--- a/src/lr5/РИЗ-130916у Савельев В.Н. Отчет о выполнении ЛР5.pptx
+++ b/src/lr5/РИЗ-130916у Савельев В.Н. Отчет о выполнении ЛР5.pptx
@@ -13,11 +13,7 @@
     <p:sldId id="309" r:id="rId7"/>
     <p:sldId id="310" r:id="rId8"/>
     <p:sldId id="311" r:id="rId9"/>
-    <p:sldId id="312" r:id="rId10"/>
-    <p:sldId id="313" r:id="rId11"/>
-    <p:sldId id="314" r:id="rId12"/>
-    <p:sldId id="315" r:id="rId13"/>
-    <p:sldId id="306" r:id="rId14"/>
+    <p:sldId id="306" r:id="rId10"/>
   </p:sldIdLst>
   <p:sldSz cx="12192000" cy="6858000"/>
   <p:notesSz cx="6858000" cy="9144000"/>
@@ -129,10 +125,6 @@
             <p14:sldId id="309"/>
             <p14:sldId id="310"/>
             <p14:sldId id="311"/>
-            <p14:sldId id="312"/>
-            <p14:sldId id="313"/>
-            <p14:sldId id="314"/>
-            <p14:sldId id="315"/>
             <p14:sldId id="306"/>
           </p14:sldIdLst>
         </p14:section>
@@ -292,7 +284,7 @@
           <a:p>
             <a:fld id="{870F65BB-7DDC-4717-AF77-59A3293404C9}" type="datetimeFigureOut">
               <a:rPr lang="ru-RU" smtClean="0"/>
-              <a:t>05.12.2023</a:t>
+              <a:t>08.12.2023</a:t>
             </a:fld>
             <a:endParaRPr lang="ru-RU"/>
           </a:p>
@@ -490,7 +482,7 @@
           <a:p>
             <a:fld id="{870F65BB-7DDC-4717-AF77-59A3293404C9}" type="datetimeFigureOut">
               <a:rPr lang="ru-RU" smtClean="0"/>
-              <a:t>05.12.2023</a:t>
+              <a:t>08.12.2023</a:t>
             </a:fld>
             <a:endParaRPr lang="ru-RU"/>
           </a:p>
@@ -698,7 +690,7 @@
           <a:p>
             <a:fld id="{870F65BB-7DDC-4717-AF77-59A3293404C9}" type="datetimeFigureOut">
               <a:rPr lang="ru-RU" smtClean="0"/>
-              <a:t>05.12.2023</a:t>
+              <a:t>08.12.2023</a:t>
             </a:fld>
             <a:endParaRPr lang="ru-RU"/>
           </a:p>
@@ -896,7 +888,7 @@
           <a:p>
             <a:fld id="{870F65BB-7DDC-4717-AF77-59A3293404C9}" type="datetimeFigureOut">
               <a:rPr lang="ru-RU" smtClean="0"/>
-              <a:t>05.12.2023</a:t>
+              <a:t>08.12.2023</a:t>
             </a:fld>
             <a:endParaRPr lang="ru-RU"/>
           </a:p>
@@ -1171,7 +1163,7 @@
           <a:p>
             <a:fld id="{870F65BB-7DDC-4717-AF77-59A3293404C9}" type="datetimeFigureOut">
               <a:rPr lang="ru-RU" smtClean="0"/>
-              <a:t>05.12.2023</a:t>
+              <a:t>08.12.2023</a:t>
             </a:fld>
             <a:endParaRPr lang="ru-RU"/>
           </a:p>
@@ -1436,7 +1428,7 @@
           <a:p>
             <a:fld id="{870F65BB-7DDC-4717-AF77-59A3293404C9}" type="datetimeFigureOut">
               <a:rPr lang="ru-RU" smtClean="0"/>
-              <a:t>05.12.2023</a:t>
+              <a:t>08.12.2023</a:t>
             </a:fld>
             <a:endParaRPr lang="ru-RU"/>
           </a:p>
@@ -1848,7 +1840,7 @@
           <a:p>
             <a:fld id="{870F65BB-7DDC-4717-AF77-59A3293404C9}" type="datetimeFigureOut">
               <a:rPr lang="ru-RU" smtClean="0"/>
-              <a:t>05.12.2023</a:t>
+              <a:t>08.12.2023</a:t>
             </a:fld>
             <a:endParaRPr lang="ru-RU"/>
           </a:p>
@@ -1989,7 +1981,7 @@
           <a:p>
             <a:fld id="{870F65BB-7DDC-4717-AF77-59A3293404C9}" type="datetimeFigureOut">
               <a:rPr lang="ru-RU" smtClean="0"/>
-              <a:t>05.12.2023</a:t>
+              <a:t>08.12.2023</a:t>
             </a:fld>
             <a:endParaRPr lang="ru-RU"/>
           </a:p>
@@ -2102,7 +2094,7 @@
           <a:p>
             <a:fld id="{870F65BB-7DDC-4717-AF77-59A3293404C9}" type="datetimeFigureOut">
               <a:rPr lang="ru-RU" smtClean="0"/>
-              <a:t>05.12.2023</a:t>
+              <a:t>08.12.2023</a:t>
             </a:fld>
             <a:endParaRPr lang="ru-RU"/>
           </a:p>
@@ -2413,7 +2405,7 @@
           <a:p>
             <a:fld id="{870F65BB-7DDC-4717-AF77-59A3293404C9}" type="datetimeFigureOut">
               <a:rPr lang="ru-RU" smtClean="0"/>
-              <a:t>05.12.2023</a:t>
+              <a:t>08.12.2023</a:t>
             </a:fld>
             <a:endParaRPr lang="ru-RU"/>
           </a:p>
@@ -2701,7 +2693,7 @@
           <a:p>
             <a:fld id="{870F65BB-7DDC-4717-AF77-59A3293404C9}" type="datetimeFigureOut">
               <a:rPr lang="ru-RU" smtClean="0"/>
-              <a:t>05.12.2023</a:t>
+              <a:t>08.12.2023</a:t>
             </a:fld>
             <a:endParaRPr lang="ru-RU"/>
           </a:p>
@@ -2942,7 +2934,7 @@
           <a:p>
             <a:fld id="{870F65BB-7DDC-4717-AF77-59A3293404C9}" type="datetimeFigureOut">
               <a:rPr lang="ru-RU" smtClean="0"/>
-              <a:t>05.12.2023</a:t>
+              <a:t>08.12.2023</a:t>
             </a:fld>
             <a:endParaRPr lang="ru-RU"/>
           </a:p>
@@ -3412,7 +3404,7 @@
                 <a:latin typeface="Times New Roman" panose="02020603050405020304" pitchFamily="18" charset="0"/>
                 <a:cs typeface="Times New Roman" panose="02020603050405020304" pitchFamily="18" charset="0"/>
               </a:rPr>
-              <a:t>3</a:t>
+              <a:t>5</a:t>
             </a:r>
             <a:br>
               <a:rPr lang="en-US" sz="1400" dirty="0">
@@ -3559,696 +3551,6 @@
     <p:extLst>
       <p:ext uri="{BB962C8B-B14F-4D97-AF65-F5344CB8AC3E}">
         <p14:creationId xmlns:p14="http://schemas.microsoft.com/office/powerpoint/2010/main" val="3477583233"/>
-      </p:ext>
-    </p:extLst>
-  </p:cSld>
-  <p:clrMapOvr>
-    <a:masterClrMapping/>
-  </p:clrMapOvr>
-</p:sld>
-</file>
-
-<file path=ppt/slides/slide10.xml><?xml version="1.0" encoding="utf-8"?>
-<p:sld xmlns:a="http://schemas.openxmlformats.org/drawingml/2006/main" xmlns:r="http://schemas.openxmlformats.org/officeDocument/2006/relationships" xmlns:p="http://schemas.openxmlformats.org/presentationml/2006/main">
-  <p:cSld>
-    <p:spTree>
-      <p:nvGrpSpPr>
-        <p:cNvPr id="1" name=""/>
-        <p:cNvGrpSpPr/>
-        <p:nvPr/>
-      </p:nvGrpSpPr>
-      <p:grpSpPr>
-        <a:xfrm>
-          <a:off x="0" y="0"/>
-          <a:ext cx="0" cy="0"/>
-          <a:chOff x="0" y="0"/>
-          <a:chExt cx="0" cy="0"/>
-        </a:xfrm>
-      </p:grpSpPr>
-      <p:sp>
-        <p:nvSpPr>
-          <p:cNvPr id="2" name="Заголовок 1">
-            <a:extLst>
-              <a:ext uri="{FF2B5EF4-FFF2-40B4-BE49-F238E27FC236}">
-                <a16:creationId xmlns:a16="http://schemas.microsoft.com/office/drawing/2014/main" id="{858A5C1F-E5B2-4EC1-9A3C-AAE441DF4D96}"/>
-              </a:ext>
-            </a:extLst>
-          </p:cNvPr>
-          <p:cNvSpPr>
-            <a:spLocks noGrp="1"/>
-          </p:cNvSpPr>
-          <p:nvPr>
-            <p:ph type="title"/>
-          </p:nvPr>
-        </p:nvSpPr>
-        <p:spPr>
-          <a:xfrm>
-            <a:off x="838200" y="176169"/>
-            <a:ext cx="10515600" cy="334424"/>
-          </a:xfrm>
-        </p:spPr>
-        <p:txBody>
-          <a:bodyPr>
-            <a:normAutofit/>
-          </a:bodyPr>
-          <a:lstStyle/>
-          <a:p>
-            <a:pPr algn="ctr"/>
-            <a:r>
-              <a:rPr lang="ru-RU" sz="1400" dirty="0">
-                <a:latin typeface="Times New Roman" panose="02020603050405020304" pitchFamily="18" charset="0"/>
-                <a:cs typeface="Times New Roman" panose="02020603050405020304" pitchFamily="18" charset="0"/>
-              </a:rPr>
-              <a:t>Задача №8</a:t>
-            </a:r>
-          </a:p>
-        </p:txBody>
-      </p:sp>
-      <p:sp>
-        <p:nvSpPr>
-          <p:cNvPr id="3" name="Текст 2">
-            <a:extLst>
-              <a:ext uri="{FF2B5EF4-FFF2-40B4-BE49-F238E27FC236}">
-                <a16:creationId xmlns:a16="http://schemas.microsoft.com/office/drawing/2014/main" id="{7A2822FC-0537-44BF-973E-18E9089D51A2}"/>
-              </a:ext>
-            </a:extLst>
-          </p:cNvPr>
-          <p:cNvSpPr>
-            <a:spLocks noGrp="1"/>
-          </p:cNvSpPr>
-          <p:nvPr>
-            <p:ph type="body" idx="1"/>
-          </p:nvPr>
-        </p:nvSpPr>
-        <p:spPr>
-          <a:xfrm>
-            <a:off x="831850" y="629175"/>
-            <a:ext cx="10515600" cy="3288484"/>
-          </a:xfrm>
-        </p:spPr>
-        <p:txBody>
-          <a:bodyPr>
-            <a:normAutofit/>
-          </a:bodyPr>
-          <a:lstStyle/>
-          <a:p>
-            <a:r>
-              <a:rPr lang="ru-RU" sz="1400" dirty="0">
-                <a:solidFill>
-                  <a:schemeClr val="tx1"/>
-                </a:solidFill>
-                <a:latin typeface="Times New Roman" panose="02020603050405020304" pitchFamily="18" charset="0"/>
-                <a:cs typeface="Times New Roman" panose="02020603050405020304" pitchFamily="18" charset="0"/>
-              </a:rPr>
-              <a:t>Напишите программу, в которой создается символьный массив из 10 элементов. Массив заполнить большими (прописными) буквами английского алфавита. Буквы берутся подряд, но только согласные (то есть гласные буквы ’ А',1Е' и ' I' при присваивании значений элементам массива нужно пропустить). Отобразите содержимое созданного массива в консольном окне.</a:t>
-            </a:r>
-          </a:p>
-          <a:p>
-            <a:r>
-              <a:rPr lang="ru-RU" sz="1400" dirty="0">
-                <a:solidFill>
-                  <a:schemeClr val="tx1"/>
-                </a:solidFill>
-                <a:latin typeface="Times New Roman" panose="02020603050405020304" pitchFamily="18" charset="0"/>
-                <a:cs typeface="Times New Roman" panose="02020603050405020304" pitchFamily="18" charset="0"/>
-              </a:rPr>
-              <a:t>Исходный код решения : </a:t>
-            </a:r>
-            <a:r>
-              <a:rPr lang="en-US" sz="1400" dirty="0">
-                <a:solidFill>
-                  <a:schemeClr val="tx1"/>
-                </a:solidFill>
-                <a:latin typeface="Times New Roman" panose="02020603050405020304" pitchFamily="18" charset="0"/>
-                <a:cs typeface="Times New Roman" panose="02020603050405020304" pitchFamily="18" charset="0"/>
-              </a:rPr>
-              <a:t>https://github.com/Vladnwx/Learn2023-2024/blob/master/src/lr3/Example</a:t>
-            </a:r>
-            <a:r>
-              <a:rPr lang="ru-RU" sz="1400" dirty="0">
-                <a:solidFill>
-                  <a:schemeClr val="tx1"/>
-                </a:solidFill>
-                <a:latin typeface="Times New Roman" panose="02020603050405020304" pitchFamily="18" charset="0"/>
-                <a:cs typeface="Times New Roman" panose="02020603050405020304" pitchFamily="18" charset="0"/>
-              </a:rPr>
-              <a:t>8</a:t>
-            </a:r>
-            <a:r>
-              <a:rPr lang="en-US" sz="1400" dirty="0">
-                <a:solidFill>
-                  <a:schemeClr val="tx1"/>
-                </a:solidFill>
-                <a:latin typeface="Times New Roman" panose="02020603050405020304" pitchFamily="18" charset="0"/>
-                <a:cs typeface="Times New Roman" panose="02020603050405020304" pitchFamily="18" charset="0"/>
-              </a:rPr>
-              <a:t>.java</a:t>
-            </a:r>
-            <a:endParaRPr lang="ru-RU" sz="1400" dirty="0">
-              <a:solidFill>
-                <a:schemeClr val="tx1"/>
-              </a:solidFill>
-              <a:latin typeface="Times New Roman" panose="02020603050405020304" pitchFamily="18" charset="0"/>
-              <a:cs typeface="Times New Roman" panose="02020603050405020304" pitchFamily="18" charset="0"/>
-            </a:endParaRPr>
-          </a:p>
-        </p:txBody>
-      </p:sp>
-    </p:spTree>
-    <p:extLst>
-      <p:ext uri="{BB962C8B-B14F-4D97-AF65-F5344CB8AC3E}">
-        <p14:creationId xmlns:p14="http://schemas.microsoft.com/office/powerpoint/2010/main" val="4105176660"/>
-      </p:ext>
-    </p:extLst>
-  </p:cSld>
-  <p:clrMapOvr>
-    <a:masterClrMapping/>
-  </p:clrMapOvr>
-</p:sld>
-</file>
-
-<file path=ppt/slides/slide11.xml><?xml version="1.0" encoding="utf-8"?>
-<p:sld xmlns:a="http://schemas.openxmlformats.org/drawingml/2006/main" xmlns:r="http://schemas.openxmlformats.org/officeDocument/2006/relationships" xmlns:p="http://schemas.openxmlformats.org/presentationml/2006/main">
-  <p:cSld>
-    <p:spTree>
-      <p:nvGrpSpPr>
-        <p:cNvPr id="1" name=""/>
-        <p:cNvGrpSpPr/>
-        <p:nvPr/>
-      </p:nvGrpSpPr>
-      <p:grpSpPr>
-        <a:xfrm>
-          <a:off x="0" y="0"/>
-          <a:ext cx="0" cy="0"/>
-          <a:chOff x="0" y="0"/>
-          <a:chExt cx="0" cy="0"/>
-        </a:xfrm>
-      </p:grpSpPr>
-      <p:sp>
-        <p:nvSpPr>
-          <p:cNvPr id="2" name="Заголовок 1">
-            <a:extLst>
-              <a:ext uri="{FF2B5EF4-FFF2-40B4-BE49-F238E27FC236}">
-                <a16:creationId xmlns:a16="http://schemas.microsoft.com/office/drawing/2014/main" id="{858A5C1F-E5B2-4EC1-9A3C-AAE441DF4D96}"/>
-              </a:ext>
-            </a:extLst>
-          </p:cNvPr>
-          <p:cNvSpPr>
-            <a:spLocks noGrp="1"/>
-          </p:cNvSpPr>
-          <p:nvPr>
-            <p:ph type="title"/>
-          </p:nvPr>
-        </p:nvSpPr>
-        <p:spPr>
-          <a:xfrm>
-            <a:off x="838200" y="176169"/>
-            <a:ext cx="10515600" cy="334424"/>
-          </a:xfrm>
-        </p:spPr>
-        <p:txBody>
-          <a:bodyPr>
-            <a:normAutofit/>
-          </a:bodyPr>
-          <a:lstStyle/>
-          <a:p>
-            <a:pPr algn="ctr"/>
-            <a:r>
-              <a:rPr lang="ru-RU" sz="1400" dirty="0">
-                <a:latin typeface="Times New Roman" panose="02020603050405020304" pitchFamily="18" charset="0"/>
-                <a:cs typeface="Times New Roman" panose="02020603050405020304" pitchFamily="18" charset="0"/>
-              </a:rPr>
-              <a:t>Задача №9</a:t>
-            </a:r>
-          </a:p>
-        </p:txBody>
-      </p:sp>
-      <p:sp>
-        <p:nvSpPr>
-          <p:cNvPr id="3" name="Текст 2">
-            <a:extLst>
-              <a:ext uri="{FF2B5EF4-FFF2-40B4-BE49-F238E27FC236}">
-                <a16:creationId xmlns:a16="http://schemas.microsoft.com/office/drawing/2014/main" id="{7A2822FC-0537-44BF-973E-18E9089D51A2}"/>
-              </a:ext>
-            </a:extLst>
-          </p:cNvPr>
-          <p:cNvSpPr>
-            <a:spLocks noGrp="1"/>
-          </p:cNvSpPr>
-          <p:nvPr>
-            <p:ph type="body" idx="1"/>
-          </p:nvPr>
-        </p:nvSpPr>
-        <p:spPr>
-          <a:xfrm>
-            <a:off x="831850" y="629175"/>
-            <a:ext cx="10515600" cy="3288484"/>
-          </a:xfrm>
-        </p:spPr>
-        <p:txBody>
-          <a:bodyPr>
-            <a:normAutofit/>
-          </a:bodyPr>
-          <a:lstStyle/>
-          <a:p>
-            <a:r>
-              <a:rPr lang="ru-RU" sz="1400" dirty="0">
-                <a:solidFill>
-                  <a:schemeClr val="tx1"/>
-                </a:solidFill>
-                <a:latin typeface="Times New Roman" panose="02020603050405020304" pitchFamily="18" charset="0"/>
-                <a:cs typeface="Times New Roman" panose="02020603050405020304" pitchFamily="18" charset="0"/>
-              </a:rPr>
-              <a:t>Напишите программу, в которой создается массив и заполняется случайными числами. Массив отображается в консольном окне. В этом массиве необходимо определить элемент с минимальным значением. В частности, программа должна вывести значение элемента с минимальным значением и индекс этого элемента. Если элементов с минимальным значением несколько, должны быть выведены индексы всех этих элементов.</a:t>
-            </a:r>
-          </a:p>
-          <a:p>
-            <a:r>
-              <a:rPr lang="ru-RU" sz="1400" dirty="0">
-                <a:solidFill>
-                  <a:schemeClr val="tx1"/>
-                </a:solidFill>
-                <a:latin typeface="Times New Roman" panose="02020603050405020304" pitchFamily="18" charset="0"/>
-                <a:cs typeface="Times New Roman" panose="02020603050405020304" pitchFamily="18" charset="0"/>
-              </a:rPr>
-              <a:t>Исходный код решения : </a:t>
-            </a:r>
-            <a:r>
-              <a:rPr lang="en-US" sz="1400" dirty="0">
-                <a:solidFill>
-                  <a:schemeClr val="tx1"/>
-                </a:solidFill>
-                <a:latin typeface="Times New Roman" panose="02020603050405020304" pitchFamily="18" charset="0"/>
-                <a:cs typeface="Times New Roman" panose="02020603050405020304" pitchFamily="18" charset="0"/>
-              </a:rPr>
-              <a:t>https://github.com/Vladnwx/Learn2023-2024/blob/master/src/lr3/Example</a:t>
-            </a:r>
-            <a:r>
-              <a:rPr lang="ru-RU" sz="1400" dirty="0">
-                <a:solidFill>
-                  <a:schemeClr val="tx1"/>
-                </a:solidFill>
-                <a:latin typeface="Times New Roman" panose="02020603050405020304" pitchFamily="18" charset="0"/>
-                <a:cs typeface="Times New Roman" panose="02020603050405020304" pitchFamily="18" charset="0"/>
-              </a:rPr>
-              <a:t>9</a:t>
-            </a:r>
-            <a:r>
-              <a:rPr lang="en-US" sz="1400" dirty="0">
-                <a:solidFill>
-                  <a:schemeClr val="tx1"/>
-                </a:solidFill>
-                <a:latin typeface="Times New Roman" panose="02020603050405020304" pitchFamily="18" charset="0"/>
-                <a:cs typeface="Times New Roman" panose="02020603050405020304" pitchFamily="18" charset="0"/>
-              </a:rPr>
-              <a:t>.java</a:t>
-            </a:r>
-            <a:endParaRPr lang="ru-RU" sz="1400" dirty="0">
-              <a:solidFill>
-                <a:schemeClr val="tx1"/>
-              </a:solidFill>
-              <a:latin typeface="Times New Roman" panose="02020603050405020304" pitchFamily="18" charset="0"/>
-              <a:cs typeface="Times New Roman" panose="02020603050405020304" pitchFamily="18" charset="0"/>
-            </a:endParaRPr>
-          </a:p>
-        </p:txBody>
-      </p:sp>
-    </p:spTree>
-    <p:extLst>
-      <p:ext uri="{BB962C8B-B14F-4D97-AF65-F5344CB8AC3E}">
-        <p14:creationId xmlns:p14="http://schemas.microsoft.com/office/powerpoint/2010/main" val="4272833713"/>
-      </p:ext>
-    </p:extLst>
-  </p:cSld>
-  <p:clrMapOvr>
-    <a:masterClrMapping/>
-  </p:clrMapOvr>
-</p:sld>
-</file>
-
-<file path=ppt/slides/slide12.xml><?xml version="1.0" encoding="utf-8"?>
-<p:sld xmlns:a="http://schemas.openxmlformats.org/drawingml/2006/main" xmlns:r="http://schemas.openxmlformats.org/officeDocument/2006/relationships" xmlns:p="http://schemas.openxmlformats.org/presentationml/2006/main">
-  <p:cSld>
-    <p:spTree>
-      <p:nvGrpSpPr>
-        <p:cNvPr id="1" name=""/>
-        <p:cNvGrpSpPr/>
-        <p:nvPr/>
-      </p:nvGrpSpPr>
-      <p:grpSpPr>
-        <a:xfrm>
-          <a:off x="0" y="0"/>
-          <a:ext cx="0" cy="0"/>
-          <a:chOff x="0" y="0"/>
-          <a:chExt cx="0" cy="0"/>
-        </a:xfrm>
-      </p:grpSpPr>
-      <p:sp>
-        <p:nvSpPr>
-          <p:cNvPr id="2" name="Заголовок 1">
-            <a:extLst>
-              <a:ext uri="{FF2B5EF4-FFF2-40B4-BE49-F238E27FC236}">
-                <a16:creationId xmlns:a16="http://schemas.microsoft.com/office/drawing/2014/main" id="{858A5C1F-E5B2-4EC1-9A3C-AAE441DF4D96}"/>
-              </a:ext>
-            </a:extLst>
-          </p:cNvPr>
-          <p:cNvSpPr>
-            <a:spLocks noGrp="1"/>
-          </p:cNvSpPr>
-          <p:nvPr>
-            <p:ph type="title"/>
-          </p:nvPr>
-        </p:nvSpPr>
-        <p:spPr>
-          <a:xfrm>
-            <a:off x="838200" y="176169"/>
-            <a:ext cx="10515600" cy="334424"/>
-          </a:xfrm>
-        </p:spPr>
-        <p:txBody>
-          <a:bodyPr>
-            <a:normAutofit/>
-          </a:bodyPr>
-          <a:lstStyle/>
-          <a:p>
-            <a:pPr algn="ctr"/>
-            <a:r>
-              <a:rPr lang="ru-RU" sz="1400" dirty="0">
-                <a:latin typeface="Times New Roman" panose="02020603050405020304" pitchFamily="18" charset="0"/>
-                <a:cs typeface="Times New Roman" panose="02020603050405020304" pitchFamily="18" charset="0"/>
-              </a:rPr>
-              <a:t>Задача №10</a:t>
-            </a:r>
-          </a:p>
-        </p:txBody>
-      </p:sp>
-      <p:sp>
-        <p:nvSpPr>
-          <p:cNvPr id="3" name="Текст 2">
-            <a:extLst>
-              <a:ext uri="{FF2B5EF4-FFF2-40B4-BE49-F238E27FC236}">
-                <a16:creationId xmlns:a16="http://schemas.microsoft.com/office/drawing/2014/main" id="{7A2822FC-0537-44BF-973E-18E9089D51A2}"/>
-              </a:ext>
-            </a:extLst>
-          </p:cNvPr>
-          <p:cNvSpPr>
-            <a:spLocks noGrp="1"/>
-          </p:cNvSpPr>
-          <p:nvPr>
-            <p:ph type="body" idx="1"/>
-          </p:nvPr>
-        </p:nvSpPr>
-        <p:spPr>
-          <a:xfrm>
-            <a:off x="831850" y="629175"/>
-            <a:ext cx="10515600" cy="3288484"/>
-          </a:xfrm>
-        </p:spPr>
-        <p:txBody>
-          <a:bodyPr>
-            <a:normAutofit/>
-          </a:bodyPr>
-          <a:lstStyle/>
-          <a:p>
-            <a:r>
-              <a:rPr lang="ru-RU" sz="1400" dirty="0">
-                <a:solidFill>
-                  <a:schemeClr val="tx1"/>
-                </a:solidFill>
-                <a:latin typeface="Times New Roman" panose="02020603050405020304" pitchFamily="18" charset="0"/>
-                <a:cs typeface="Times New Roman" panose="02020603050405020304" pitchFamily="18" charset="0"/>
-              </a:rPr>
-              <a:t>Напишите программу, в которой создается целочисленный массив, заполняется случайными числами и после этого значения элементов в массиве сортируются в порядке убывания значений.</a:t>
-            </a:r>
-          </a:p>
-          <a:p>
-            <a:r>
-              <a:rPr lang="ru-RU" sz="1400" dirty="0">
-                <a:solidFill>
-                  <a:schemeClr val="tx1"/>
-                </a:solidFill>
-                <a:latin typeface="Times New Roman" panose="02020603050405020304" pitchFamily="18" charset="0"/>
-                <a:cs typeface="Times New Roman" panose="02020603050405020304" pitchFamily="18" charset="0"/>
-              </a:rPr>
-              <a:t>Исходный код решения : </a:t>
-            </a:r>
-            <a:r>
-              <a:rPr lang="en-US" sz="1400" dirty="0">
-                <a:solidFill>
-                  <a:schemeClr val="tx1"/>
-                </a:solidFill>
-                <a:latin typeface="Times New Roman" panose="02020603050405020304" pitchFamily="18" charset="0"/>
-                <a:cs typeface="Times New Roman" panose="02020603050405020304" pitchFamily="18" charset="0"/>
-              </a:rPr>
-              <a:t>https://github.com/Vladnwx/Learn2023-2024/blob/master/src/lr3/Example</a:t>
-            </a:r>
-            <a:r>
-              <a:rPr lang="ru-RU" sz="1400" dirty="0">
-                <a:solidFill>
-                  <a:schemeClr val="tx1"/>
-                </a:solidFill>
-                <a:latin typeface="Times New Roman" panose="02020603050405020304" pitchFamily="18" charset="0"/>
-                <a:cs typeface="Times New Roman" panose="02020603050405020304" pitchFamily="18" charset="0"/>
-              </a:rPr>
-              <a:t>10</a:t>
-            </a:r>
-            <a:r>
-              <a:rPr lang="en-US" sz="1400">
-                <a:solidFill>
-                  <a:schemeClr val="tx1"/>
-                </a:solidFill>
-                <a:latin typeface="Times New Roman" panose="02020603050405020304" pitchFamily="18" charset="0"/>
-                <a:cs typeface="Times New Roman" panose="02020603050405020304" pitchFamily="18" charset="0"/>
-              </a:rPr>
-              <a:t>.</a:t>
-            </a:r>
-            <a:r>
-              <a:rPr lang="en-US" sz="1400" dirty="0">
-                <a:solidFill>
-                  <a:schemeClr val="tx1"/>
-                </a:solidFill>
-                <a:latin typeface="Times New Roman" panose="02020603050405020304" pitchFamily="18" charset="0"/>
-                <a:cs typeface="Times New Roman" panose="02020603050405020304" pitchFamily="18" charset="0"/>
-              </a:rPr>
-              <a:t>java</a:t>
-            </a:r>
-            <a:endParaRPr lang="ru-RU" sz="1400" dirty="0">
-              <a:solidFill>
-                <a:schemeClr val="tx1"/>
-              </a:solidFill>
-              <a:latin typeface="Times New Roman" panose="02020603050405020304" pitchFamily="18" charset="0"/>
-              <a:cs typeface="Times New Roman" panose="02020603050405020304" pitchFamily="18" charset="0"/>
-            </a:endParaRPr>
-          </a:p>
-        </p:txBody>
-      </p:sp>
-    </p:spTree>
-    <p:extLst>
-      <p:ext uri="{BB962C8B-B14F-4D97-AF65-F5344CB8AC3E}">
-        <p14:creationId xmlns:p14="http://schemas.microsoft.com/office/powerpoint/2010/main" val="565591506"/>
-      </p:ext>
-    </p:extLst>
-  </p:cSld>
-  <p:clrMapOvr>
-    <a:masterClrMapping/>
-  </p:clrMapOvr>
-</p:sld>
-</file>
-
-<file path=ppt/slides/slide13.xml><?xml version="1.0" encoding="utf-8"?>
-<p:sld xmlns:a="http://schemas.openxmlformats.org/drawingml/2006/main" xmlns:r="http://schemas.openxmlformats.org/officeDocument/2006/relationships" xmlns:p="http://schemas.openxmlformats.org/presentationml/2006/main">
-  <p:cSld>
-    <p:spTree>
-      <p:nvGrpSpPr>
-        <p:cNvPr id="1" name=""/>
-        <p:cNvGrpSpPr/>
-        <p:nvPr/>
-      </p:nvGrpSpPr>
-      <p:grpSpPr>
-        <a:xfrm>
-          <a:off x="0" y="0"/>
-          <a:ext cx="0" cy="0"/>
-          <a:chOff x="0" y="0"/>
-          <a:chExt cx="0" cy="0"/>
-        </a:xfrm>
-      </p:grpSpPr>
-      <p:sp>
-        <p:nvSpPr>
-          <p:cNvPr id="2" name="Заголовок 1">
-            <a:extLst>
-              <a:ext uri="{FF2B5EF4-FFF2-40B4-BE49-F238E27FC236}">
-                <a16:creationId xmlns:a16="http://schemas.microsoft.com/office/drawing/2014/main" id="{858A5C1F-E5B2-4EC1-9A3C-AAE441DF4D96}"/>
-              </a:ext>
-            </a:extLst>
-          </p:cNvPr>
-          <p:cNvSpPr>
-            <a:spLocks noGrp="1"/>
-          </p:cNvSpPr>
-          <p:nvPr>
-            <p:ph type="title"/>
-          </p:nvPr>
-        </p:nvSpPr>
-        <p:spPr>
-          <a:xfrm>
-            <a:off x="838200" y="176169"/>
-            <a:ext cx="10515600" cy="334424"/>
-          </a:xfrm>
-        </p:spPr>
-        <p:txBody>
-          <a:bodyPr>
-            <a:normAutofit/>
-          </a:bodyPr>
-          <a:lstStyle/>
-          <a:p>
-            <a:pPr algn="ctr"/>
-            <a:r>
-              <a:rPr lang="ru-RU" sz="1400" dirty="0">
-                <a:latin typeface="Times New Roman" panose="02020603050405020304" pitchFamily="18" charset="0"/>
-                <a:cs typeface="Times New Roman" panose="02020603050405020304" pitchFamily="18" charset="0"/>
-              </a:rPr>
-              <a:t>Вывод</a:t>
-            </a:r>
-          </a:p>
-        </p:txBody>
-      </p:sp>
-      <p:sp>
-        <p:nvSpPr>
-          <p:cNvPr id="3" name="Текст 2">
-            <a:extLst>
-              <a:ext uri="{FF2B5EF4-FFF2-40B4-BE49-F238E27FC236}">
-                <a16:creationId xmlns:a16="http://schemas.microsoft.com/office/drawing/2014/main" id="{7A2822FC-0537-44BF-973E-18E9089D51A2}"/>
-              </a:ext>
-            </a:extLst>
-          </p:cNvPr>
-          <p:cNvSpPr>
-            <a:spLocks noGrp="1"/>
-          </p:cNvSpPr>
-          <p:nvPr>
-            <p:ph type="body" idx="1"/>
-          </p:nvPr>
-        </p:nvSpPr>
-        <p:spPr>
-          <a:xfrm>
-            <a:off x="831850" y="629175"/>
-            <a:ext cx="10515600" cy="6052656"/>
-          </a:xfrm>
-        </p:spPr>
-        <p:txBody>
-          <a:bodyPr>
-            <a:normAutofit/>
-          </a:bodyPr>
-          <a:lstStyle/>
-          <a:p>
-            <a:pPr marL="285750" indent="-285750">
-              <a:buFont typeface="Arial" panose="020B0604020202020204" pitchFamily="34" charset="0"/>
-              <a:buChar char="•"/>
-            </a:pPr>
-            <a:r>
-              <a:rPr lang="ru-RU" sz="1400" dirty="0">
-                <a:solidFill>
-                  <a:schemeClr val="tx1"/>
-                </a:solidFill>
-                <a:latin typeface="Times New Roman" panose="02020603050405020304" pitchFamily="18" charset="0"/>
-                <a:cs typeface="Times New Roman" panose="02020603050405020304" pitchFamily="18" charset="0"/>
-              </a:rPr>
-              <a:t>При большом количестве переменны удобнее пользоваться массивами. Их можно сортировать используя стандартную библиотеку.</a:t>
-            </a:r>
-          </a:p>
-          <a:p>
-            <a:pPr marL="285750" indent="-285750">
-              <a:buFont typeface="Arial" panose="020B0604020202020204" pitchFamily="34" charset="0"/>
-              <a:buChar char="•"/>
-            </a:pPr>
-            <a:r>
-              <a:rPr lang="ru-RU" sz="1400" dirty="0">
-                <a:solidFill>
-                  <a:schemeClr val="tx1"/>
-                </a:solidFill>
-                <a:latin typeface="Times New Roman" panose="02020603050405020304" pitchFamily="18" charset="0"/>
-                <a:cs typeface="Times New Roman" panose="02020603050405020304" pitchFamily="18" charset="0"/>
-              </a:rPr>
-              <a:t>Для выполнения различных тестов </a:t>
-            </a:r>
-            <a:r>
-              <a:rPr lang="ru-RU" sz="1400">
-                <a:solidFill>
-                  <a:schemeClr val="tx1"/>
-                </a:solidFill>
-                <a:latin typeface="Times New Roman" panose="02020603050405020304" pitchFamily="18" charset="0"/>
-                <a:cs typeface="Times New Roman" panose="02020603050405020304" pitchFamily="18" charset="0"/>
-              </a:rPr>
-              <a:t>заполнения массивов </a:t>
-            </a:r>
-            <a:r>
-              <a:rPr lang="ru-RU" sz="1400" dirty="0">
-                <a:solidFill>
-                  <a:schemeClr val="tx1"/>
-                </a:solidFill>
-                <a:latin typeface="Times New Roman" panose="02020603050405020304" pitchFamily="18" charset="0"/>
-                <a:cs typeface="Times New Roman" panose="02020603050405020304" pitchFamily="18" charset="0"/>
-              </a:rPr>
-              <a:t>можно использовать библиотеку </a:t>
-            </a:r>
-            <a:r>
-              <a:rPr lang="en-US" sz="1400" dirty="0">
-                <a:solidFill>
-                  <a:schemeClr val="tx1"/>
-                </a:solidFill>
-                <a:latin typeface="Times New Roman" panose="02020603050405020304" pitchFamily="18" charset="0"/>
-                <a:cs typeface="Times New Roman" panose="02020603050405020304" pitchFamily="18" charset="0"/>
-              </a:rPr>
-              <a:t>Random</a:t>
-            </a:r>
-            <a:endParaRPr lang="ru-RU" sz="1400" dirty="0">
-              <a:solidFill>
-                <a:schemeClr val="tx1"/>
-              </a:solidFill>
-              <a:latin typeface="Times New Roman" panose="02020603050405020304" pitchFamily="18" charset="0"/>
-              <a:cs typeface="Times New Roman" panose="02020603050405020304" pitchFamily="18" charset="0"/>
-            </a:endParaRPr>
-          </a:p>
-          <a:p>
-            <a:pPr marL="285750" indent="-285750">
-              <a:buFont typeface="Arial" panose="020B0604020202020204" pitchFamily="34" charset="0"/>
-              <a:buChar char="•"/>
-            </a:pPr>
-            <a:r>
-              <a:rPr lang="ru-RU" sz="1400" dirty="0">
-                <a:solidFill>
-                  <a:schemeClr val="tx1"/>
-                </a:solidFill>
-                <a:latin typeface="Times New Roman" panose="02020603050405020304" pitchFamily="18" charset="0"/>
-                <a:cs typeface="Times New Roman" panose="02020603050405020304" pitchFamily="18" charset="0"/>
-              </a:rPr>
-              <a:t>Операторы цикла </a:t>
-            </a:r>
-            <a:r>
-              <a:rPr lang="en-US" sz="1400" dirty="0">
-                <a:solidFill>
-                  <a:schemeClr val="tx1"/>
-                </a:solidFill>
-                <a:latin typeface="Times New Roman" panose="02020603050405020304" pitchFamily="18" charset="0"/>
-                <a:cs typeface="Times New Roman" panose="02020603050405020304" pitchFamily="18" charset="0"/>
-              </a:rPr>
-              <a:t>switch </a:t>
-            </a:r>
-            <a:r>
-              <a:rPr lang="ru-RU" sz="1400" dirty="0">
-                <a:solidFill>
-                  <a:schemeClr val="tx1"/>
-                </a:solidFill>
-                <a:latin typeface="Times New Roman" panose="02020603050405020304" pitchFamily="18" charset="0"/>
-                <a:cs typeface="Times New Roman" panose="02020603050405020304" pitchFamily="18" charset="0"/>
-              </a:rPr>
-              <a:t>удобнее использовать при однотипном сравнении значений</a:t>
-            </a:r>
-          </a:p>
-        </p:txBody>
-      </p:sp>
-    </p:spTree>
-    <p:extLst>
-      <p:ext uri="{BB962C8B-B14F-4D97-AF65-F5344CB8AC3E}">
-        <p14:creationId xmlns:p14="http://schemas.microsoft.com/office/powerpoint/2010/main" val="483522093"/>
       </p:ext>
     </p:extLst>
   </p:cSld>
@@ -4350,7 +3652,7 @@
                 <a:latin typeface="Times New Roman" panose="02020603050405020304" pitchFamily="18" charset="0"/>
                 <a:cs typeface="Times New Roman" panose="02020603050405020304" pitchFamily="18" charset="0"/>
               </a:rPr>
-              <a:t>Получить представление о работе с операторами и одномерными массивами в языке программирования Java, а также решение задач на сайте timus.</a:t>
+              <a:t>введение в работу с классами Java</a:t>
             </a:r>
           </a:p>
         </p:txBody>
@@ -4453,6 +3755,16 @@
           <a:lstStyle/>
           <a:p>
             <a:r>
+              <a:rPr lang="en-US" sz="1400" dirty="0">
+                <a:solidFill>
+                  <a:schemeClr val="tx1"/>
+                </a:solidFill>
+                <a:latin typeface="Times New Roman" panose="02020603050405020304" pitchFamily="18" charset="0"/>
+                <a:cs typeface="Times New Roman" panose="02020603050405020304" pitchFamily="18" charset="0"/>
+              </a:rPr>
+              <a:t> </a:t>
+            </a:r>
+            <a:r>
               <a:rPr lang="ru-RU" sz="1400" dirty="0">
                 <a:solidFill>
                   <a:schemeClr val="tx1"/>
@@ -4460,49 +3772,29 @@
                 <a:latin typeface="Times New Roman" panose="02020603050405020304" pitchFamily="18" charset="0"/>
                 <a:cs typeface="Times New Roman" panose="02020603050405020304" pitchFamily="18" charset="0"/>
               </a:rPr>
-              <a:t>Напишите программу, в которой пользователь вводит целое число в диапазоне от 1 до 7, а программа определяет по этому числу день недели. Если введенное пользователем число выходит за допустимый диапазон, выводится сообщение о том, что введено некорректное значение. Используйте оператор выбора </a:t>
-            </a:r>
-            <a:r>
-              <a:rPr lang="ru-RU" sz="1400" dirty="0" err="1">
+              <a:t>Напишите программу с классом, в котором есть закрытое символьное поле и три открытых метода. Один из методов позволяет присвоить значение полю. Еще один метод при вызове возвращает результатом код символа. Третий метод позволяет вывести в консольное окно символ (значение поля) и его код.</a:t>
+            </a:r>
+          </a:p>
+          <a:p>
+            <a:r>
+              <a:rPr lang="ru-RU" sz="1400" dirty="0">
                 <a:solidFill>
                   <a:schemeClr val="tx1"/>
                 </a:solidFill>
                 <a:latin typeface="Times New Roman" panose="02020603050405020304" pitchFamily="18" charset="0"/>
                 <a:cs typeface="Times New Roman" panose="02020603050405020304" pitchFamily="18" charset="0"/>
               </a:rPr>
-              <a:t>switch</a:t>
-            </a:r>
-            <a:r>
-              <a:rPr lang="ru-RU" sz="1400" dirty="0">
+              <a:t>Исходный код решения : </a:t>
+            </a:r>
+            <a:r>
+              <a:rPr lang="en-US" sz="1400" dirty="0">
                 <a:solidFill>
                   <a:schemeClr val="tx1"/>
                 </a:solidFill>
                 <a:latin typeface="Times New Roman" panose="02020603050405020304" pitchFamily="18" charset="0"/>
                 <a:cs typeface="Times New Roman" panose="02020603050405020304" pitchFamily="18" charset="0"/>
               </a:rPr>
-              <a:t>.</a:t>
-            </a:r>
-          </a:p>
-          <a:p>
-            <a:r>
-              <a:rPr lang="ru-RU" sz="1400" dirty="0">
-                <a:solidFill>
-                  <a:schemeClr val="tx1"/>
-                </a:solidFill>
-                <a:latin typeface="Times New Roman" panose="02020603050405020304" pitchFamily="18" charset="0"/>
-                <a:cs typeface="Times New Roman" panose="02020603050405020304" pitchFamily="18" charset="0"/>
-              </a:rPr>
-              <a:t>Исходный код решения : </a:t>
-            </a:r>
-            <a:r>
-              <a:rPr lang="en-US" sz="1400" dirty="0">
-                <a:solidFill>
-                  <a:schemeClr val="tx1"/>
-                </a:solidFill>
-                <a:latin typeface="Times New Roman" panose="02020603050405020304" pitchFamily="18" charset="0"/>
-                <a:cs typeface="Times New Roman" panose="02020603050405020304" pitchFamily="18" charset="0"/>
-              </a:rPr>
-              <a:t>https://github.com/Vladnwx/Learn2023-2024/blob/master/src/lr3/Example1.java</a:t>
+              <a:t> https://github.com/Vladnwx/Learn2023-2024/blob/master/src/lr5/Example1.java</a:t>
             </a:r>
             <a:endParaRPr lang="ru-RU" sz="1400" dirty="0">
               <a:solidFill>
@@ -4612,6 +3904,16 @@
           <a:lstStyle/>
           <a:p>
             <a:r>
+              <a:rPr lang="en-US" sz="1400" dirty="0">
+                <a:solidFill>
+                  <a:schemeClr val="tx1"/>
+                </a:solidFill>
+                <a:latin typeface="Times New Roman" panose="02020603050405020304" pitchFamily="18" charset="0"/>
+                <a:cs typeface="Times New Roman" panose="02020603050405020304" pitchFamily="18" charset="0"/>
+              </a:rPr>
+              <a:t> </a:t>
+            </a:r>
+            <a:r>
               <a:rPr lang="ru-RU" sz="1400" dirty="0">
                 <a:solidFill>
                   <a:schemeClr val="tx1"/>
@@ -4619,69 +3921,29 @@
                 <a:latin typeface="Times New Roman" panose="02020603050405020304" pitchFamily="18" charset="0"/>
                 <a:cs typeface="Times New Roman" panose="02020603050405020304" pitchFamily="18" charset="0"/>
               </a:rPr>
-              <a:t>Напишите программу, в которой пользователю предлагается ввести название дня недели. По введенному названию программа определяет порядковый номер дня в неделе. Если пользователь вводит неправильное название дня, программа выводит сообщение о том, что такого дня нет. Предложите версию программы на основе вложенных условных операторов и на основе оператора выбора </a:t>
-            </a:r>
-            <a:r>
-              <a:rPr lang="ru-RU" sz="1400" dirty="0" err="1">
+              <a:t>Напишите программу с классом, у которого есть два символьных поля и метод. Он возвращает результат, и у него нет аргументов. При вызове метод выводит в консольное окно все символы из кодовой таблицы, которые находятся «между» символами, являющимися значениями полей объекта (из которого вызывается метод). Например, если полям объекта присвоены значения ‘A’ и ‘D’, то при вызове метода в консольное окно должны выводиться все символы от ‘A’ до ‘D’ включительно.</a:t>
+            </a:r>
+          </a:p>
+          <a:p>
+            <a:r>
+              <a:rPr lang="ru-RU" sz="1400" dirty="0">
                 <a:solidFill>
                   <a:schemeClr val="tx1"/>
                 </a:solidFill>
                 <a:latin typeface="Times New Roman" panose="02020603050405020304" pitchFamily="18" charset="0"/>
                 <a:cs typeface="Times New Roman" panose="02020603050405020304" pitchFamily="18" charset="0"/>
               </a:rPr>
-              <a:t>switch</a:t>
-            </a:r>
-            <a:r>
-              <a:rPr lang="ru-RU" sz="1400" dirty="0">
+              <a:t>Исходный код решения : </a:t>
+            </a:r>
+            <a:r>
+              <a:rPr lang="en-US" sz="1400" dirty="0">
                 <a:solidFill>
                   <a:schemeClr val="tx1"/>
                 </a:solidFill>
                 <a:latin typeface="Times New Roman" panose="02020603050405020304" pitchFamily="18" charset="0"/>
                 <a:cs typeface="Times New Roman" panose="02020603050405020304" pitchFamily="18" charset="0"/>
               </a:rPr>
-              <a:t>.</a:t>
-            </a:r>
-          </a:p>
-          <a:p>
-            <a:r>
-              <a:rPr lang="ru-RU" sz="1400" dirty="0">
-                <a:solidFill>
-                  <a:schemeClr val="tx1"/>
-                </a:solidFill>
-                <a:latin typeface="Times New Roman" panose="02020603050405020304" pitchFamily="18" charset="0"/>
-                <a:cs typeface="Times New Roman" panose="02020603050405020304" pitchFamily="18" charset="0"/>
-              </a:rPr>
-              <a:t>Исходный код решения : </a:t>
-            </a:r>
-            <a:r>
-              <a:rPr lang="en-US" sz="1400" dirty="0">
-                <a:solidFill>
-                  <a:schemeClr val="tx1"/>
-                </a:solidFill>
-                <a:latin typeface="Times New Roman" panose="02020603050405020304" pitchFamily="18" charset="0"/>
-                <a:cs typeface="Times New Roman" panose="02020603050405020304" pitchFamily="18" charset="0"/>
-              </a:rPr>
-              <a:t>https://github.com/Vladnwx/Learn2023-2024/blob/master/src/lr3/Example</a:t>
-            </a:r>
-            <a:r>
-              <a:rPr lang="ru-RU" sz="1400" dirty="0">
-                <a:solidFill>
-                  <a:schemeClr val="tx1"/>
-                </a:solidFill>
-                <a:latin typeface="Times New Roman" panose="02020603050405020304" pitchFamily="18" charset="0"/>
-                <a:cs typeface="Times New Roman" panose="02020603050405020304" pitchFamily="18" charset="0"/>
-              </a:rPr>
-              <a:t>2</a:t>
-            </a:r>
-            <a:r>
-              <a:rPr lang="en-US" sz="1400" dirty="0">
-                <a:solidFill>
-                  <a:schemeClr val="tx1"/>
-                </a:solidFill>
-                <a:latin typeface="Times New Roman" panose="02020603050405020304" pitchFamily="18" charset="0"/>
-                <a:cs typeface="Times New Roman" panose="02020603050405020304" pitchFamily="18" charset="0"/>
-              </a:rPr>
-              <a:t>.java</a:t>
+              <a:t> https://github.com/Vladnwx/Learn2023-2024/blob/master/src/lr5/Example2.java</a:t>
             </a:r>
             <a:endParaRPr lang="ru-RU" sz="1400" dirty="0">
               <a:solidFill>
@@ -4791,6 +4053,16 @@
           <a:lstStyle/>
           <a:p>
             <a:r>
+              <a:rPr lang="en-US" sz="1400" dirty="0">
+                <a:solidFill>
+                  <a:schemeClr val="tx1"/>
+                </a:solidFill>
+                <a:latin typeface="Times New Roman" panose="02020603050405020304" pitchFamily="18" charset="0"/>
+                <a:cs typeface="Times New Roman" panose="02020603050405020304" pitchFamily="18" charset="0"/>
+              </a:rPr>
+              <a:t> </a:t>
+            </a:r>
+            <a:r>
               <a:rPr lang="ru-RU" sz="1400" dirty="0">
                 <a:solidFill>
                   <a:schemeClr val="tx1"/>
@@ -4798,7 +4070,7 @@
                 <a:latin typeface="Times New Roman" panose="02020603050405020304" pitchFamily="18" charset="0"/>
                 <a:cs typeface="Times New Roman" panose="02020603050405020304" pitchFamily="18" charset="0"/>
               </a:rPr>
-              <a:t>Напишите программу, которая выводит последовательность чисел Фибоначчи. Первые два числа в этой последовательности равны 1, а каждое следующее число равно сумме двух предыдущих (получается последовательность 1, 1, 2, 3, 5, 8, 13, 21, 34, 55, 89 и так далее). Количество чисел в последовательности вводится пользователем. Предложите версии программы, использующие разные операторы цикла.</a:t>
+              <a:t>Напишите программу с классом, у которого есть два целочисленных поля. В классе должны быть описаны конструкторы, позволяющие создавать объекты без передачи аргументов, с передачей одного аргумента и с передачей двух аргументов.</a:t>
             </a:r>
           </a:p>
           <a:p>
@@ -4820,27 +4092,7 @@
                 <a:latin typeface="Times New Roman" panose="02020603050405020304" pitchFamily="18" charset="0"/>
                 <a:cs typeface="Times New Roman" panose="02020603050405020304" pitchFamily="18" charset="0"/>
               </a:rPr>
-              <a:t>https://github.com/Vladnwx/Learn2023-2024/blob/master/src/lr3/Example</a:t>
-            </a:r>
-            <a:r>
-              <a:rPr lang="ru-RU" sz="1400" dirty="0">
-                <a:solidFill>
-                  <a:schemeClr val="tx1"/>
-                </a:solidFill>
-                <a:latin typeface="Times New Roman" panose="02020603050405020304" pitchFamily="18" charset="0"/>
-                <a:cs typeface="Times New Roman" panose="02020603050405020304" pitchFamily="18" charset="0"/>
-              </a:rPr>
-              <a:t>3</a:t>
-            </a:r>
-            <a:r>
-              <a:rPr lang="en-US" sz="1400" dirty="0">
-                <a:solidFill>
-                  <a:schemeClr val="tx1"/>
-                </a:solidFill>
-                <a:latin typeface="Times New Roman" panose="02020603050405020304" pitchFamily="18" charset="0"/>
-                <a:cs typeface="Times New Roman" panose="02020603050405020304" pitchFamily="18" charset="0"/>
-              </a:rPr>
-              <a:t>.java</a:t>
+              <a:t> https://github.com/Vladnwx/Learn2023-2024/blob/master/src/lr5/Example3.java</a:t>
             </a:r>
             <a:endParaRPr lang="ru-RU" sz="1400" dirty="0">
               <a:solidFill>
@@ -4950,6 +4202,16 @@
           <a:lstStyle/>
           <a:p>
             <a:r>
+              <a:rPr lang="en-US" sz="1400" dirty="0">
+                <a:solidFill>
+                  <a:schemeClr val="tx1"/>
+                </a:solidFill>
+                <a:latin typeface="Times New Roman" panose="02020603050405020304" pitchFamily="18" charset="0"/>
+                <a:cs typeface="Times New Roman" panose="02020603050405020304" pitchFamily="18" charset="0"/>
+              </a:rPr>
+              <a:t> </a:t>
+            </a:r>
+            <a:r>
               <a:rPr lang="ru-RU" sz="1400" dirty="0">
                 <a:solidFill>
                   <a:schemeClr val="tx1"/>
@@ -4957,10 +4219,18 @@
                 <a:latin typeface="Times New Roman" panose="02020603050405020304" pitchFamily="18" charset="0"/>
                 <a:cs typeface="Times New Roman" panose="02020603050405020304" pitchFamily="18" charset="0"/>
               </a:rPr>
-              <a:t>Напишите программу, в которой пользователем вводится два целых числа. Программа выводит все целые числа — начиная с наименьшего (из двух введенных чисел) и заканчивая наибольшим (из двух введенных чисел). Предложите разные версии программы (с использованием разных операторов цикла).</a:t>
-            </a:r>
-          </a:p>
-          <a:p>
+              <a:t>Напишите программу с классом, у которого есть символьное и целочисленное поле. В классе должны быть описаны версии конструктора с двумя аргументами (целое число и символ – определяют значения полей), а также с одним аргументом типа </a:t>
+            </a:r>
+            <a:r>
+              <a:rPr lang="ru-RU" sz="1400" dirty="0" err="1">
+                <a:solidFill>
+                  <a:schemeClr val="tx1"/>
+                </a:solidFill>
+                <a:latin typeface="Times New Roman" panose="02020603050405020304" pitchFamily="18" charset="0"/>
+                <a:cs typeface="Times New Roman" panose="02020603050405020304" pitchFamily="18" charset="0"/>
+              </a:rPr>
+              <a:t>double</a:t>
+            </a:r>
             <a:r>
               <a:rPr lang="ru-RU" sz="1400" dirty="0">
                 <a:solidFill>
@@ -4969,6 +4239,18 @@
                 <a:latin typeface="Times New Roman" panose="02020603050405020304" pitchFamily="18" charset="0"/>
                 <a:cs typeface="Times New Roman" panose="02020603050405020304" pitchFamily="18" charset="0"/>
               </a:rPr>
+              <a:t>. В последнем случае действительная часть аргумента определяет код символа (значение символьного поля), а дробная часть (с учетом десятых и сотых) определяет значение целочисленного поля. Например, если аргументом передается число 65.1267, то значением символьного поля будет символ ‘A’ с годом 65, а целочисленное поле получит значение 12 (в дробной части учитываются только десятые и сотые).</a:t>
+            </a:r>
+          </a:p>
+          <a:p>
+            <a:r>
+              <a:rPr lang="ru-RU" sz="1400" dirty="0">
+                <a:solidFill>
+                  <a:schemeClr val="tx1"/>
+                </a:solidFill>
+                <a:latin typeface="Times New Roman" panose="02020603050405020304" pitchFamily="18" charset="0"/>
+                <a:cs typeface="Times New Roman" panose="02020603050405020304" pitchFamily="18" charset="0"/>
+              </a:rPr>
               <a:t>Исходный код решения : </a:t>
             </a:r>
             <a:r>
@@ -4979,27 +4261,7 @@
                 <a:latin typeface="Times New Roman" panose="02020603050405020304" pitchFamily="18" charset="0"/>
                 <a:cs typeface="Times New Roman" panose="02020603050405020304" pitchFamily="18" charset="0"/>
               </a:rPr>
-              <a:t>https://github.com/Vladnwx/Learn2023-2024/blob/master/src/lr3/Example</a:t>
-            </a:r>
-            <a:r>
-              <a:rPr lang="ru-RU" sz="1400" dirty="0">
-                <a:solidFill>
-                  <a:schemeClr val="tx1"/>
-                </a:solidFill>
-                <a:latin typeface="Times New Roman" panose="02020603050405020304" pitchFamily="18" charset="0"/>
-                <a:cs typeface="Times New Roman" panose="02020603050405020304" pitchFamily="18" charset="0"/>
-              </a:rPr>
-              <a:t>4</a:t>
-            </a:r>
-            <a:r>
-              <a:rPr lang="en-US" sz="1400" dirty="0">
-                <a:solidFill>
-                  <a:schemeClr val="tx1"/>
-                </a:solidFill>
-                <a:latin typeface="Times New Roman" panose="02020603050405020304" pitchFamily="18" charset="0"/>
-                <a:cs typeface="Times New Roman" panose="02020603050405020304" pitchFamily="18" charset="0"/>
-              </a:rPr>
-              <a:t>.java</a:t>
+              <a:t> https://github.com/Vladnwx/Learn2023-2024/blob/master/src/lr5/Example4.java</a:t>
             </a:r>
             <a:endParaRPr lang="ru-RU" sz="1400" dirty="0">
               <a:solidFill>
@@ -5109,6 +4371,16 @@
           <a:lstStyle/>
           <a:p>
             <a:r>
+              <a:rPr lang="en-US" sz="1400" dirty="0">
+                <a:solidFill>
+                  <a:schemeClr val="tx1"/>
+                </a:solidFill>
+                <a:latin typeface="Times New Roman" panose="02020603050405020304" pitchFamily="18" charset="0"/>
+                <a:cs typeface="Times New Roman" panose="02020603050405020304" pitchFamily="18" charset="0"/>
+              </a:rPr>
+              <a:t> </a:t>
+            </a:r>
+            <a:r>
               <a:rPr lang="ru-RU" sz="1400" dirty="0">
                 <a:solidFill>
                   <a:schemeClr val="tx1"/>
@@ -5116,10 +4388,18 @@
                 <a:latin typeface="Times New Roman" panose="02020603050405020304" pitchFamily="18" charset="0"/>
                 <a:cs typeface="Times New Roman" panose="02020603050405020304" pitchFamily="18" charset="0"/>
               </a:rPr>
-              <a:t>Напишите программу, в которой вычисляется сумма чисел, удовлетворяющих таким критериям: при делении числа на 5 в остатке получается 2, или при делении на 3 в остатке получается 1. Количество чисел в сумме вводится пользователем. Программа отображает числа, которые суммируются, и значение суммы. Предложите версии программы, использующие разные операторы цикла.</a:t>
-            </a:r>
-          </a:p>
-          <a:p>
+              <a:t>Напишите программу с классом, у которого есть закрытое целочисленное поле. Значение полю присваивается с помощью открытого метода. Методу</a:t>
+            </a:r>
+            <a:r>
+              <a:rPr lang="en-US" sz="1400" dirty="0">
+                <a:solidFill>
+                  <a:schemeClr val="tx1"/>
+                </a:solidFill>
+                <a:latin typeface="Times New Roman" panose="02020603050405020304" pitchFamily="18" charset="0"/>
+                <a:cs typeface="Times New Roman" panose="02020603050405020304" pitchFamily="18" charset="0"/>
+              </a:rPr>
+              <a:t> </a:t>
+            </a:r>
             <a:r>
               <a:rPr lang="ru-RU" sz="1400" dirty="0">
                 <a:solidFill>
@@ -5128,6 +4408,18 @@
                 <a:latin typeface="Times New Roman" panose="02020603050405020304" pitchFamily="18" charset="0"/>
                 <a:cs typeface="Times New Roman" panose="02020603050405020304" pitchFamily="18" charset="0"/>
               </a:rPr>
+              <a:t>аргументом может передаваться целое число, а также метод может вызываться без аргументов. Если методы вызывается без аргументов, то поле получает нулевое значение. Если метод вызывается с целочисленным аргументом, то это значение присваивается полю. Однако если переданное аргументом методу значение превышает 100, то значением полю присваивается число 100. Предусмотрите в классе конструктор, который работает по тому же принципу что и метод для присваивания значения полю. Также в классе должен быть метод, позволяющий проверить значение поля.</a:t>
+            </a:r>
+          </a:p>
+          <a:p>
+            <a:r>
+              <a:rPr lang="ru-RU" sz="1400" dirty="0">
+                <a:solidFill>
+                  <a:schemeClr val="tx1"/>
+                </a:solidFill>
+                <a:latin typeface="Times New Roman" panose="02020603050405020304" pitchFamily="18" charset="0"/>
+                <a:cs typeface="Times New Roman" panose="02020603050405020304" pitchFamily="18" charset="0"/>
+              </a:rPr>
               <a:t>Исходный код решения : </a:t>
             </a:r>
             <a:r>
@@ -5138,27 +4430,7 @@
                 <a:latin typeface="Times New Roman" panose="02020603050405020304" pitchFamily="18" charset="0"/>
                 <a:cs typeface="Times New Roman" panose="02020603050405020304" pitchFamily="18" charset="0"/>
               </a:rPr>
-              <a:t>https://github.com/Vladnwx/Learn2023-2024/blob/master/src/lr3/Example</a:t>
-            </a:r>
-            <a:r>
-              <a:rPr lang="ru-RU" sz="1400" dirty="0">
-                <a:solidFill>
-                  <a:schemeClr val="tx1"/>
-                </a:solidFill>
-                <a:latin typeface="Times New Roman" panose="02020603050405020304" pitchFamily="18" charset="0"/>
-                <a:cs typeface="Times New Roman" panose="02020603050405020304" pitchFamily="18" charset="0"/>
-              </a:rPr>
-              <a:t>5</a:t>
-            </a:r>
-            <a:r>
-              <a:rPr lang="en-US" sz="1400" dirty="0">
-                <a:solidFill>
-                  <a:schemeClr val="tx1"/>
-                </a:solidFill>
-                <a:latin typeface="Times New Roman" panose="02020603050405020304" pitchFamily="18" charset="0"/>
-                <a:cs typeface="Times New Roman" panose="02020603050405020304" pitchFamily="18" charset="0"/>
-              </a:rPr>
-              <a:t>.java</a:t>
+              <a:t> https://github.com/Vladnwx/Learn2023-2024/blob/master/src/lr5/Example5.java</a:t>
             </a:r>
             <a:endParaRPr lang="ru-RU" sz="1400" dirty="0">
               <a:solidFill>
@@ -5275,10 +4547,18 @@
                 <a:latin typeface="Times New Roman" panose="02020603050405020304" pitchFamily="18" charset="0"/>
                 <a:cs typeface="Times New Roman" panose="02020603050405020304" pitchFamily="18" charset="0"/>
               </a:rPr>
-              <a:t>Напишите программу, в которой создается одномерный числовой массив и заполняется числами, которые при делении на 5 дают в остатке 2 (числа 2, 7,12,17 и так далее). Размер массива вводится пользователем. Предусмотреть обработку ошибки, связанной с вводом некорректного значения.</a:t>
-            </a:r>
-          </a:p>
-          <a:p>
+              <a:t>Напишите программу с классом, в котором есть два закрытых целочисленных поля (назовем их </a:t>
+            </a:r>
+            <a:r>
+              <a:rPr lang="ru-RU" sz="1400" dirty="0" err="1">
+                <a:solidFill>
+                  <a:schemeClr val="tx1"/>
+                </a:solidFill>
+                <a:latin typeface="Times New Roman" panose="02020603050405020304" pitchFamily="18" charset="0"/>
+                <a:cs typeface="Times New Roman" panose="02020603050405020304" pitchFamily="18" charset="0"/>
+              </a:rPr>
+              <a:t>max</a:t>
+            </a:r>
             <a:r>
               <a:rPr lang="ru-RU" sz="1400" dirty="0">
                 <a:solidFill>
@@ -5287,6 +4567,118 @@
                 <a:latin typeface="Times New Roman" panose="02020603050405020304" pitchFamily="18" charset="0"/>
                 <a:cs typeface="Times New Roman" panose="02020603050405020304" pitchFamily="18" charset="0"/>
               </a:rPr>
+              <a:t> и </a:t>
+            </a:r>
+            <a:r>
+              <a:rPr lang="ru-RU" sz="1400" dirty="0" err="1">
+                <a:solidFill>
+                  <a:schemeClr val="tx1"/>
+                </a:solidFill>
+                <a:latin typeface="Times New Roman" panose="02020603050405020304" pitchFamily="18" charset="0"/>
+                <a:cs typeface="Times New Roman" panose="02020603050405020304" pitchFamily="18" charset="0"/>
+              </a:rPr>
+              <a:t>min</a:t>
+            </a:r>
+            <a:r>
+              <a:rPr lang="ru-RU" sz="1400" dirty="0">
+                <a:solidFill>
+                  <a:schemeClr val="tx1"/>
+                </a:solidFill>
+                <a:latin typeface="Times New Roman" panose="02020603050405020304" pitchFamily="18" charset="0"/>
+                <a:cs typeface="Times New Roman" panose="02020603050405020304" pitchFamily="18" charset="0"/>
+              </a:rPr>
+              <a:t>). Значение поля </a:t>
+            </a:r>
+            <a:r>
+              <a:rPr lang="ru-RU" sz="1400" dirty="0" err="1">
+                <a:solidFill>
+                  <a:schemeClr val="tx1"/>
+                </a:solidFill>
+                <a:latin typeface="Times New Roman" panose="02020603050405020304" pitchFamily="18" charset="0"/>
+                <a:cs typeface="Times New Roman" panose="02020603050405020304" pitchFamily="18" charset="0"/>
+              </a:rPr>
+              <a:t>max</a:t>
+            </a:r>
+            <a:r>
+              <a:rPr lang="ru-RU" sz="1400" dirty="0">
+                <a:solidFill>
+                  <a:schemeClr val="tx1"/>
+                </a:solidFill>
+                <a:latin typeface="Times New Roman" panose="02020603050405020304" pitchFamily="18" charset="0"/>
+                <a:cs typeface="Times New Roman" panose="02020603050405020304" pitchFamily="18" charset="0"/>
+              </a:rPr>
+              <a:t> не может быть меньше значения поля </a:t>
+            </a:r>
+            <a:r>
+              <a:rPr lang="ru-RU" sz="1400" dirty="0" err="1">
+                <a:solidFill>
+                  <a:schemeClr val="tx1"/>
+                </a:solidFill>
+                <a:latin typeface="Times New Roman" panose="02020603050405020304" pitchFamily="18" charset="0"/>
+                <a:cs typeface="Times New Roman" panose="02020603050405020304" pitchFamily="18" charset="0"/>
+              </a:rPr>
+              <a:t>min</a:t>
+            </a:r>
+            <a:r>
+              <a:rPr lang="ru-RU" sz="1400" dirty="0">
+                <a:solidFill>
+                  <a:schemeClr val="tx1"/>
+                </a:solidFill>
+                <a:latin typeface="Times New Roman" panose="02020603050405020304" pitchFamily="18" charset="0"/>
+                <a:cs typeface="Times New Roman" panose="02020603050405020304" pitchFamily="18" charset="0"/>
+              </a:rPr>
+              <a:t>. Значения полям присваиваются с помощью открытого метода. Метод может вызываться с одним или двумя целочисленными аргументами. При вызове метода значения полям присваиваются так: сравниваются текущие значения полей и значения аргументов, переданных методу. Самое большое из значений присваивается полю </a:t>
+            </a:r>
+            <a:r>
+              <a:rPr lang="ru-RU" sz="1400" dirty="0" err="1">
+                <a:solidFill>
+                  <a:schemeClr val="tx1"/>
+                </a:solidFill>
+                <a:latin typeface="Times New Roman" panose="02020603050405020304" pitchFamily="18" charset="0"/>
+                <a:cs typeface="Times New Roman" panose="02020603050405020304" pitchFamily="18" charset="0"/>
+              </a:rPr>
+              <a:t>max</a:t>
+            </a:r>
+            <a:r>
+              <a:rPr lang="ru-RU" sz="1400" dirty="0">
+                <a:solidFill>
+                  <a:schemeClr val="tx1"/>
+                </a:solidFill>
+                <a:latin typeface="Times New Roman" panose="02020603050405020304" pitchFamily="18" charset="0"/>
+                <a:cs typeface="Times New Roman" panose="02020603050405020304" pitchFamily="18" charset="0"/>
+              </a:rPr>
+              <a:t>, а самое маленькое из значений присваивается полю </a:t>
+            </a:r>
+            <a:r>
+              <a:rPr lang="ru-RU" sz="1400" dirty="0" err="1">
+                <a:solidFill>
+                  <a:schemeClr val="tx1"/>
+                </a:solidFill>
+                <a:latin typeface="Times New Roman" panose="02020603050405020304" pitchFamily="18" charset="0"/>
+                <a:cs typeface="Times New Roman" panose="02020603050405020304" pitchFamily="18" charset="0"/>
+              </a:rPr>
+              <a:t>min</a:t>
+            </a:r>
+            <a:r>
+              <a:rPr lang="ru-RU" sz="1400" dirty="0">
+                <a:solidFill>
+                  <a:schemeClr val="tx1"/>
+                </a:solidFill>
+                <a:latin typeface="Times New Roman" panose="02020603050405020304" pitchFamily="18" charset="0"/>
+                <a:cs typeface="Times New Roman" panose="02020603050405020304" pitchFamily="18" charset="0"/>
+              </a:rPr>
+              <a:t>. Предусмотрите конструктор, который работает по тому же принципу, что и метод для присваивания значений полям. В классе также должен быть метод, отображающий в консольном окне значения полей объекта.</a:t>
+            </a:r>
+          </a:p>
+          <a:p>
+            <a:r>
+              <a:rPr lang="ru-RU" sz="1400" dirty="0">
+                <a:solidFill>
+                  <a:schemeClr val="tx1"/>
+                </a:solidFill>
+                <a:latin typeface="Times New Roman" panose="02020603050405020304" pitchFamily="18" charset="0"/>
+                <a:cs typeface="Times New Roman" panose="02020603050405020304" pitchFamily="18" charset="0"/>
+              </a:rPr>
               <a:t>Исходный код решения : </a:t>
             </a:r>
             <a:r>
@@ -5297,27 +4689,7 @@
                 <a:latin typeface="Times New Roman" panose="02020603050405020304" pitchFamily="18" charset="0"/>
                 <a:cs typeface="Times New Roman" panose="02020603050405020304" pitchFamily="18" charset="0"/>
               </a:rPr>
-              <a:t>https://github.com/Vladnwx/Learn2023-2024/blob/master/src/lr3/Example</a:t>
-            </a:r>
-            <a:r>
-              <a:rPr lang="ru-RU" sz="1400" dirty="0">
-                <a:solidFill>
-                  <a:schemeClr val="tx1"/>
-                </a:solidFill>
-                <a:latin typeface="Times New Roman" panose="02020603050405020304" pitchFamily="18" charset="0"/>
-                <a:cs typeface="Times New Roman" panose="02020603050405020304" pitchFamily="18" charset="0"/>
-              </a:rPr>
-              <a:t>6</a:t>
-            </a:r>
-            <a:r>
-              <a:rPr lang="en-US" sz="1400" dirty="0">
-                <a:solidFill>
-                  <a:schemeClr val="tx1"/>
-                </a:solidFill>
-                <a:latin typeface="Times New Roman" panose="02020603050405020304" pitchFamily="18" charset="0"/>
-                <a:cs typeface="Times New Roman" panose="02020603050405020304" pitchFamily="18" charset="0"/>
-              </a:rPr>
-              <a:t>.java</a:t>
+              <a:t> https://github.com/Vladnwx/Learn2023-2024/blob/master/src/lr5/Example6.java</a:t>
             </a:r>
             <a:endParaRPr lang="ru-RU" sz="1400" dirty="0">
               <a:solidFill>
@@ -5393,7 +4765,7 @@
                 <a:latin typeface="Times New Roman" panose="02020603050405020304" pitchFamily="18" charset="0"/>
                 <a:cs typeface="Times New Roman" panose="02020603050405020304" pitchFamily="18" charset="0"/>
               </a:rPr>
-              <a:t>Задача №7</a:t>
+              <a:t>Вывод</a:t>
             </a:r>
           </a:p>
         </p:txBody>
@@ -5417,7 +4789,7 @@
         <p:spPr>
           <a:xfrm>
             <a:off x="831850" y="629175"/>
-            <a:ext cx="10515600" cy="3288484"/>
+            <a:ext cx="10515600" cy="6052656"/>
           </a:xfrm>
         </p:spPr>
         <p:txBody>
@@ -5426,6 +4798,10 @@
           </a:bodyPr>
           <a:lstStyle/>
           <a:p>
+            <a:pPr marL="285750" indent="-285750">
+              <a:buFont typeface="Arial" panose="020B0604020202020204" pitchFamily="34" charset="0"/>
+              <a:buChar char="•"/>
+            </a:pPr>
             <a:r>
               <a:rPr lang="ru-RU" sz="1400" dirty="0">
                 <a:solidFill>
@@ -5434,49 +4810,17 @@
                 <a:latin typeface="Times New Roman" panose="02020603050405020304" pitchFamily="18" charset="0"/>
                 <a:cs typeface="Times New Roman" panose="02020603050405020304" pitchFamily="18" charset="0"/>
               </a:rPr>
-              <a:t>Напишите программу, в которой создается одномерный символьный массив из 10 элементов. Массив заполняется буквами «через одну», начиная с буквы ' а ': то есть массив заполняется буквами 'а', 'с', ' е', 'д' и так далее. Отобразите массив в консольном окне в прямом и обратном порядке. Размер массива задается переменной.</a:t>
-            </a:r>
-          </a:p>
-          <a:p>
-            <a:r>
-              <a:rPr lang="ru-RU" sz="1400" dirty="0">
+              <a:t>Использование классов и конструкторов упрощает вызовы фикций и методов и позволяет использовать именованные экземпляры класса с одинаковыми свойствами</a:t>
+            </a:r>
+            <a:r>
+              <a:rPr lang="en-US" sz="1400" dirty="0">
                 <a:solidFill>
                   <a:schemeClr val="tx1"/>
                 </a:solidFill>
                 <a:latin typeface="Times New Roman" panose="02020603050405020304" pitchFamily="18" charset="0"/>
                 <a:cs typeface="Times New Roman" panose="02020603050405020304" pitchFamily="18" charset="0"/>
               </a:rPr>
-              <a:t>Исходный код решения : </a:t>
-            </a:r>
-            <a:r>
-              <a:rPr lang="en-US" sz="1400" dirty="0">
-                <a:solidFill>
-                  <a:schemeClr val="tx1"/>
-                </a:solidFill>
-                <a:latin typeface="Times New Roman" panose="02020603050405020304" pitchFamily="18" charset="0"/>
-                <a:cs typeface="Times New Roman" panose="02020603050405020304" pitchFamily="18" charset="0"/>
-              </a:rPr>
-              <a:t>https://github.com/Vladnwx/Learn2023-2024/blob/master/src/lr3/Example</a:t>
-            </a:r>
-            <a:r>
-              <a:rPr lang="ru-RU" sz="1400" dirty="0">
-                <a:solidFill>
-                  <a:schemeClr val="tx1"/>
-                </a:solidFill>
-                <a:latin typeface="Times New Roman" panose="02020603050405020304" pitchFamily="18" charset="0"/>
-                <a:cs typeface="Times New Roman" panose="02020603050405020304" pitchFamily="18" charset="0"/>
-              </a:rPr>
-              <a:t>7</a:t>
-            </a:r>
-            <a:r>
-              <a:rPr lang="en-US" sz="1400" dirty="0">
-                <a:solidFill>
-                  <a:schemeClr val="tx1"/>
-                </a:solidFill>
-                <a:latin typeface="Times New Roman" panose="02020603050405020304" pitchFamily="18" charset="0"/>
-                <a:cs typeface="Times New Roman" panose="02020603050405020304" pitchFamily="18" charset="0"/>
-              </a:rPr>
-              <a:t>.java</a:t>
+              <a:t> </a:t>
             </a:r>
             <a:endParaRPr lang="ru-RU" sz="1400" dirty="0">
               <a:solidFill>
@@ -5491,7 +4835,7 @@
     </p:spTree>
     <p:extLst>
       <p:ext uri="{BB962C8B-B14F-4D97-AF65-F5344CB8AC3E}">
-        <p14:creationId xmlns:p14="http://schemas.microsoft.com/office/powerpoint/2010/main" val="437559692"/>
+        <p14:creationId xmlns:p14="http://schemas.microsoft.com/office/powerpoint/2010/main" val="483522093"/>
       </p:ext>
     </p:extLst>
   </p:cSld>

--- a/src/lr5/РИЗ-130916у Савельев В.Н. Отчет о выполнении ЛР5.pptx
+++ b/src/lr5/РИЗ-130916у Савельев В.Н. Отчет о выполнении ЛР5.pptx
@@ -4822,6 +4822,32 @@
               </a:rPr>
               <a:t> </a:t>
             </a:r>
+          </a:p>
+          <a:p>
+            <a:pPr marL="285750" indent="-285750">
+              <a:buFont typeface="Arial" panose="020B0604020202020204" pitchFamily="34" charset="0"/>
+              <a:buChar char="•"/>
+            </a:pPr>
+            <a:r>
+              <a:rPr lang="ru-RU" sz="1400" dirty="0">
+                <a:solidFill>
+                  <a:schemeClr val="tx1"/>
+                </a:solidFill>
+                <a:latin typeface="Times New Roman" panose="02020603050405020304" pitchFamily="18" charset="0"/>
+                <a:cs typeface="Times New Roman" panose="02020603050405020304" pitchFamily="18" charset="0"/>
+              </a:rPr>
+              <a:t>Использование конструкторов уменьшает основной код на одну строчку, т.к. установка значения автоматически выполняется </a:t>
+            </a:r>
+            <a:r>
+              <a:rPr lang="ru-RU" sz="1400">
+                <a:solidFill>
+                  <a:schemeClr val="tx1"/>
+                </a:solidFill>
+                <a:latin typeface="Times New Roman" panose="02020603050405020304" pitchFamily="18" charset="0"/>
+                <a:cs typeface="Times New Roman" panose="02020603050405020304" pitchFamily="18" charset="0"/>
+              </a:rPr>
+              <a:t>в конструкторе.</a:t>
+            </a:r>
             <a:endParaRPr lang="ru-RU" sz="1400" dirty="0">
               <a:solidFill>
                 <a:schemeClr val="tx1"/>
